--- a/doc/MassiveDistributedSortedSet.pptx
+++ b/doc/MassiveDistributedSortedSet.pptx
@@ -4897,13 +4897,6 @@
               </a:rPr>
               <a:t>Write</a:t>
             </a:r>
-            <a:endParaRPr lang="en-US" sz="3600" dirty="0" smtClean="0">
-              <a:solidFill>
-                <a:schemeClr val="bg1"/>
-              </a:solidFill>
-              <a:latin typeface="+mj-lt"/>
-              <a:cs typeface="Chalkduster"/>
-            </a:endParaRPr>
           </a:p>
           <a:p>
             <a:pPr algn="l"/>
@@ -5144,81 +5137,6 @@
           <a:lstStyle/>
           <a:p>
             <a:r>
-              <a:rPr kumimoji="0" lang="en-US" sz="1200" b="0" i="0" u="none" strike="noStrike" cap="none" normalizeH="0" baseline="0" dirty="0" smtClean="0">
-                <a:ln>
-                  <a:noFill/>
-                </a:ln>
-                <a:solidFill>
-                  <a:srgbClr val="000000"/>
-                </a:solidFill>
-                <a:effectLst/>
-                <a:latin typeface="Gill Sans" charset="0"/>
-                <a:ea typeface="ヒラギノ角ゴ ProN W3" charset="0"/>
-                <a:cs typeface="ヒラギノ角ゴ ProN W3" charset="0"/>
-                <a:sym typeface="Gill Sans" charset="0"/>
-              </a:rPr>
-              <a:t>{</a:t>
-            </a:r>
-            <a:r>
-              <a:rPr kumimoji="0" lang="en-US" sz="1200" b="0" i="0" u="none" strike="noStrike" cap="none" normalizeH="0" baseline="0" dirty="0" err="1" smtClean="0">
-                <a:ln>
-                  <a:noFill/>
-                </a:ln>
-                <a:solidFill>
-                  <a:srgbClr val="000000"/>
-                </a:solidFill>
-                <a:effectLst/>
-                <a:latin typeface="Gill Sans" charset="0"/>
-                <a:ea typeface="ヒラギノ角ゴ ProN W3" charset="0"/>
-                <a:cs typeface="ヒラギノ角ゴ ProN W3" charset="0"/>
-                <a:sym typeface="Gill Sans" charset="0"/>
-              </a:rPr>
-              <a:t>entr</a:t>
-            </a:r>
-            <a:r>
-              <a:rPr lang="en-US" sz="1200" dirty="0" err="1" smtClean="0"/>
-              <a:t>y_set_id</a:t>
-            </a:r>
-            <a:r>
-              <a:rPr lang="en-US" sz="1200" dirty="0" smtClean="0"/>
-              <a:t>, </a:t>
-            </a:r>
-            <a:r>
-              <a:rPr lang="en-US" sz="1200" dirty="0" err="1" smtClean="0"/>
-              <a:t>lenfth</a:t>
-            </a:r>
-            <a:r>
-              <a:rPr lang="en-US" sz="1200" dirty="0" smtClean="0"/>
-              <a:t>, </a:t>
-            </a:r>
-            <a:r>
-              <a:rPr lang="en-US" sz="1200" dirty="0" err="1" smtClean="0"/>
-              <a:t>lowest_entry</a:t>
-            </a:r>
-            <a:r>
-              <a:rPr kumimoji="0" lang="en-US" sz="1200" b="0" i="0" u="none" strike="noStrike" cap="none" normalizeH="0" baseline="0" dirty="0" smtClean="0">
-                <a:ln>
-                  <a:noFill/>
-                </a:ln>
-                <a:solidFill>
-                  <a:srgbClr val="000000"/>
-                </a:solidFill>
-                <a:effectLst/>
-                <a:latin typeface="Gill Sans" charset="0"/>
-                <a:ea typeface="ヒラギノ角ゴ ProN W3" charset="0"/>
-                <a:cs typeface="ヒラギノ角ゴ ProN W3" charset="0"/>
-                <a:sym typeface="Gill Sans" charset="0"/>
-              </a:rPr>
-              <a:t>},</a:t>
-            </a:r>
-            <a:r>
-              <a:rPr lang="en-US" dirty="0"/>
-              <a:t/>
-            </a:r>
-            <a:br>
-              <a:rPr lang="en-US" dirty="0"/>
-            </a:br>
-            <a:r>
               <a:rPr lang="en-US" sz="1200" dirty="0"/>
               <a:t>{</a:t>
             </a:r>
@@ -5228,15 +5146,7 @@
             </a:r>
             <a:r>
               <a:rPr lang="en-US" sz="1200" dirty="0"/>
-              <a:t>, </a:t>
-            </a:r>
-            <a:r>
-              <a:rPr lang="en-US" sz="1200" dirty="0" err="1"/>
-              <a:t>lenfth</a:t>
-            </a:r>
-            <a:r>
-              <a:rPr lang="en-US" sz="1200" dirty="0"/>
-              <a:t>, </a:t>
+              <a:t>, length, </a:t>
             </a:r>
             <a:r>
               <a:rPr lang="en-US" sz="1200" dirty="0" err="1"/>
@@ -5244,50 +5154,40 @@
             </a:r>
             <a:r>
               <a:rPr lang="en-US" sz="1200" dirty="0"/>
-              <a:t>}</a:t>
-            </a:r>
-            <a:r>
-              <a:rPr lang="en-US" sz="1200" dirty="0" smtClean="0"/>
-              <a:t>,</a:t>
-            </a:r>
-          </a:p>
-          <a:p>
-            <a:r>
-              <a:rPr lang="en-US" sz="1200" dirty="0" smtClean="0"/>
+              <a:t>},</a:t>
+            </a:r>
+            <a:br>
+              <a:rPr lang="en-US" sz="1200" dirty="0"/>
+            </a:br>
+            <a:r>
+              <a:rPr lang="en-US" sz="1200" dirty="0"/>
+              <a:t>{</a:t>
+            </a:r>
+            <a:r>
+              <a:rPr lang="en-US" sz="1200" dirty="0" err="1"/>
+              <a:t>entry_set_id</a:t>
+            </a:r>
+            <a:r>
+              <a:rPr lang="en-US" sz="1200" dirty="0"/>
+              <a:t>, length, </a:t>
+            </a:r>
+            <a:r>
+              <a:rPr lang="en-US" sz="1200" dirty="0" err="1"/>
+              <a:t>lowest_entry</a:t>
+            </a:r>
+            <a:r>
+              <a:rPr lang="en-US" sz="1200" dirty="0"/>
+              <a:t>},</a:t>
+            </a:r>
+          </a:p>
+          <a:p>
+            <a:r>
+              <a:rPr lang="en-US" sz="1200" dirty="0"/>
               <a:t>…</a:t>
             </a:r>
+          </a:p>
+          <a:p>
             <a:endParaRPr lang="en-US" sz="1200" dirty="0"/>
-          </a:p>
-          <a:p>
-            <a:pPr marL="0" marR="0" indent="0" algn="ctr" defTabSz="914400" rtl="0" eaLnBrk="1" fontAlgn="base" latinLnBrk="0" hangingPunct="1">
-              <a:lnSpc>
-                <a:spcPct val="100000"/>
-              </a:lnSpc>
-              <a:spcBef>
-                <a:spcPct val="0"/>
-              </a:spcBef>
-              <a:spcAft>
-                <a:spcPct val="0"/>
-              </a:spcAft>
-              <a:buClrTx/>
-              <a:buSzTx/>
-              <a:buFontTx/>
-              <a:buNone/>
-              <a:tabLst/>
-            </a:pPr>
-            <a:endParaRPr kumimoji="0" lang="en-US" sz="1200" b="0" i="0" u="none" strike="noStrike" cap="none" normalizeH="0" baseline="0" dirty="0" smtClean="0">
-              <a:ln>
-                <a:noFill/>
-              </a:ln>
-              <a:solidFill>
-                <a:srgbClr val="000000"/>
-              </a:solidFill>
-              <a:effectLst/>
-              <a:latin typeface="Gill Sans" charset="0"/>
-              <a:ea typeface="ヒラギノ角ゴ ProN W3" charset="0"/>
-              <a:cs typeface="ヒラギノ角ゴ ProN W3" charset="0"/>
-              <a:sym typeface="Gill Sans" charset="0"/>
-            </a:endParaRPr>
           </a:p>
         </p:txBody>
       </p:sp>
@@ -6130,13 +6030,6 @@
               </a:rPr>
               <a:t>Write</a:t>
             </a:r>
-            <a:endParaRPr lang="en-US" sz="3600" dirty="0" smtClean="0">
-              <a:solidFill>
-                <a:schemeClr val="bg1"/>
-              </a:solidFill>
-              <a:latin typeface="+mj-lt"/>
-              <a:cs typeface="Chalkduster"/>
-            </a:endParaRPr>
           </a:p>
           <a:p>
             <a:pPr algn="l"/>
@@ -6367,218 +6260,105 @@
           <a:lstStyle/>
           <a:p>
             <a:r>
-              <a:rPr kumimoji="0" lang="en-US" sz="1200" b="0" i="0" u="none" strike="noStrike" cap="none" normalizeH="0" baseline="0" dirty="0" smtClean="0">
-                <a:ln>
-                  <a:noFill/>
-                </a:ln>
+              <a:rPr lang="en-US" sz="1200" dirty="0">
                 <a:solidFill>
                   <a:srgbClr val="7F7F7F"/>
                 </a:solidFill>
-                <a:effectLst/>
-                <a:latin typeface="Gill Sans" charset="0"/>
-                <a:ea typeface="ヒラギノ角ゴ ProN W3" charset="0"/>
-                <a:cs typeface="ヒラギノ角ゴ ProN W3" charset="0"/>
-                <a:sym typeface="Gill Sans" charset="0"/>
               </a:rPr>
               <a:t>{</a:t>
             </a:r>
             <a:r>
-              <a:rPr kumimoji="0" lang="en-US" sz="1200" b="0" i="0" u="none" strike="noStrike" cap="none" normalizeH="0" baseline="0" dirty="0" err="1" smtClean="0">
-                <a:ln>
-                  <a:noFill/>
-                </a:ln>
+              <a:rPr lang="en-US" sz="1200" dirty="0" err="1">
                 <a:solidFill>
                   <a:srgbClr val="7F7F7F"/>
                 </a:solidFill>
-                <a:effectLst/>
-                <a:latin typeface="Gill Sans" charset="0"/>
-                <a:ea typeface="ヒラギノ角ゴ ProN W3" charset="0"/>
-                <a:cs typeface="ヒラギノ角ゴ ProN W3" charset="0"/>
-                <a:sym typeface="Gill Sans" charset="0"/>
-              </a:rPr>
-              <a:t>entr</a:t>
-            </a:r>
-            <a:r>
-              <a:rPr lang="en-US" sz="1200" dirty="0" err="1" smtClean="0">
+              </a:rPr>
+              <a:t>entry_set_id</a:t>
+            </a:r>
+            <a:r>
+              <a:rPr lang="en-US" sz="1200" dirty="0">
                 <a:solidFill>
                   <a:srgbClr val="7F7F7F"/>
                 </a:solidFill>
               </a:rPr>
-              <a:t>y_set_id</a:t>
-            </a:r>
-            <a:r>
-              <a:rPr lang="en-US" sz="1200" dirty="0" smtClean="0">
+              <a:t>, length, </a:t>
+            </a:r>
+            <a:r>
+              <a:rPr lang="en-US" sz="1200" dirty="0" err="1">
                 <a:solidFill>
                   <a:srgbClr val="7F7F7F"/>
                 </a:solidFill>
               </a:rPr>
-              <a:t>, </a:t>
-            </a:r>
-            <a:r>
-              <a:rPr lang="en-US" sz="1200" dirty="0" err="1" smtClean="0">
+              <a:t>lowest_entry</a:t>
+            </a:r>
+            <a:r>
+              <a:rPr lang="en-US" sz="1200" dirty="0">
                 <a:solidFill>
                   <a:srgbClr val="7F7F7F"/>
                 </a:solidFill>
               </a:rPr>
-              <a:t>lenfth</a:t>
-            </a:r>
-            <a:r>
-              <a:rPr lang="en-US" sz="1200" dirty="0" smtClean="0">
+              <a:t>},</a:t>
+            </a:r>
+            <a:br>
+              <a:rPr lang="en-US" sz="1200" dirty="0">
                 <a:solidFill>
                   <a:srgbClr val="7F7F7F"/>
                 </a:solidFill>
               </a:rPr>
-              <a:t>, </a:t>
-            </a:r>
-            <a:r>
-              <a:rPr lang="en-US" sz="1200" dirty="0" err="1" smtClean="0">
+            </a:br>
+            <a:r>
+              <a:rPr lang="en-US" sz="1200" dirty="0">
                 <a:solidFill>
                   <a:srgbClr val="7F7F7F"/>
                 </a:solidFill>
               </a:rPr>
+              <a:t>{</a:t>
+            </a:r>
+            <a:r>
+              <a:rPr lang="en-US" sz="1200" dirty="0" err="1">
+                <a:solidFill>
+                  <a:srgbClr val="7F7F7F"/>
+                </a:solidFill>
+              </a:rPr>
+              <a:t>entry_set_id</a:t>
+            </a:r>
+            <a:r>
+              <a:rPr lang="en-US" sz="1200" dirty="0">
+                <a:solidFill>
+                  <a:srgbClr val="7F7F7F"/>
+                </a:solidFill>
+              </a:rPr>
+              <a:t>, length, </a:t>
+            </a:r>
+            <a:r>
+              <a:rPr lang="en-US" sz="1200" dirty="0" err="1">
+                <a:solidFill>
+                  <a:srgbClr val="7F7F7F"/>
+                </a:solidFill>
+              </a:rPr>
               <a:t>lowest_entry</a:t>
             </a:r>
             <a:r>
-              <a:rPr kumimoji="0" lang="en-US" sz="1200" b="0" i="0" u="none" strike="noStrike" cap="none" normalizeH="0" baseline="0" dirty="0" smtClean="0">
-                <a:ln>
-                  <a:noFill/>
-                </a:ln>
+              <a:rPr lang="en-US" sz="1200" dirty="0">
                 <a:solidFill>
                   <a:srgbClr val="7F7F7F"/>
                 </a:solidFill>
-                <a:effectLst/>
-                <a:latin typeface="Gill Sans" charset="0"/>
-                <a:ea typeface="ヒラギノ角ゴ ProN W3" charset="0"/>
-                <a:cs typeface="ヒラギノ角ゴ ProN W3" charset="0"/>
-                <a:sym typeface="Gill Sans" charset="0"/>
               </a:rPr>
               <a:t>},</a:t>
             </a:r>
-            <a:r>
-              <a:rPr lang="en-US" dirty="0">
+          </a:p>
+          <a:p>
+            <a:r>
+              <a:rPr lang="en-US" sz="1200" dirty="0">
                 <a:solidFill>
                   <a:srgbClr val="7F7F7F"/>
                 </a:solidFill>
               </a:rPr>
-              <a:t/>
-            </a:r>
-            <a:br>
-              <a:rPr lang="en-US" dirty="0">
-                <a:solidFill>
-                  <a:srgbClr val="7F7F7F"/>
-                </a:solidFill>
-              </a:rPr>
-            </a:br>
-            <a:r>
-              <a:rPr lang="en-US" sz="1200" dirty="0">
-                <a:solidFill>
-                  <a:srgbClr val="7F7F7F"/>
-                </a:solidFill>
-              </a:rPr>
-              <a:t>{</a:t>
-            </a:r>
-            <a:r>
-              <a:rPr lang="en-US" sz="1200" dirty="0" err="1">
-                <a:solidFill>
-                  <a:srgbClr val="7F7F7F"/>
-                </a:solidFill>
-              </a:rPr>
-              <a:t>entry_set_id</a:t>
-            </a:r>
-            <a:r>
-              <a:rPr lang="en-US" sz="1200" dirty="0">
-                <a:solidFill>
-                  <a:srgbClr val="7F7F7F"/>
-                </a:solidFill>
-              </a:rPr>
-              <a:t>, </a:t>
-            </a:r>
-            <a:r>
-              <a:rPr lang="en-US" sz="1200" dirty="0" err="1">
-                <a:solidFill>
-                  <a:srgbClr val="7F7F7F"/>
-                </a:solidFill>
-              </a:rPr>
-              <a:t>lenfth</a:t>
-            </a:r>
-            <a:r>
-              <a:rPr lang="en-US" sz="1200" dirty="0">
-                <a:solidFill>
-                  <a:srgbClr val="7F7F7F"/>
-                </a:solidFill>
-              </a:rPr>
-              <a:t>, </a:t>
-            </a:r>
-            <a:r>
-              <a:rPr lang="en-US" sz="1200" dirty="0" err="1">
-                <a:solidFill>
-                  <a:srgbClr val="7F7F7F"/>
-                </a:solidFill>
-              </a:rPr>
-              <a:t>lowest_entry</a:t>
-            </a:r>
-            <a:r>
-              <a:rPr lang="en-US" sz="1200" dirty="0">
-                <a:solidFill>
-                  <a:srgbClr val="7F7F7F"/>
-                </a:solidFill>
-              </a:rPr>
-              <a:t>}</a:t>
-            </a:r>
-            <a:r>
-              <a:rPr lang="en-US" sz="1200" dirty="0" smtClean="0">
-                <a:solidFill>
-                  <a:srgbClr val="7F7F7F"/>
-                </a:solidFill>
-              </a:rPr>
-              <a:t>,</a:t>
-            </a:r>
-          </a:p>
-          <a:p>
-            <a:r>
-              <a:rPr lang="en-US" sz="1200" dirty="0" smtClean="0">
-                <a:solidFill>
-                  <a:srgbClr val="7F7F7F"/>
-                </a:solidFill>
-              </a:rPr>
               <a:t>…</a:t>
             </a:r>
-            <a:endParaRPr lang="en-US" sz="1200" dirty="0">
-              <a:solidFill>
-                <a:srgbClr val="7F7F7F"/>
-              </a:solidFill>
-            </a:endParaRPr>
-          </a:p>
-          <a:p>
-            <a:pPr marL="0" marR="0" indent="0" algn="ctr" defTabSz="914400" rtl="0" eaLnBrk="1" fontAlgn="base" latinLnBrk="0" hangingPunct="1">
-              <a:lnSpc>
-                <a:spcPct val="100000"/>
-              </a:lnSpc>
-              <a:spcBef>
-                <a:spcPct val="0"/>
-              </a:spcBef>
-              <a:spcAft>
-                <a:spcPct val="0"/>
-              </a:spcAft>
-              <a:buClrTx/>
-              <a:buSzTx/>
-              <a:buFontTx/>
-              <a:buNone/>
-              <a:tabLst/>
-            </a:pPr>
-            <a:endParaRPr kumimoji="0" lang="en-US" sz="1200" b="0" i="0" u="none" strike="noStrike" cap="none" normalizeH="0" baseline="0" dirty="0" smtClean="0">
-              <a:ln>
-                <a:noFill/>
-              </a:ln>
-              <a:solidFill>
-                <a:srgbClr val="7F7F7F"/>
-              </a:solidFill>
-              <a:effectLst/>
-              <a:latin typeface="Gill Sans" charset="0"/>
-              <a:ea typeface="ヒラギノ角ゴ ProN W3" charset="0"/>
-              <a:cs typeface="ヒラギノ角ゴ ProN W3" charset="0"/>
-              <a:sym typeface="Gill Sans" charset="0"/>
-            </a:endParaRPr>
+          </a:p>
+          <a:p>
+            <a:endParaRPr lang="en-US" sz="1200" dirty="0"/>
           </a:p>
         </p:txBody>
       </p:sp>
@@ -7377,8 +7157,8 @@
               <a:t>, </a:t>
             </a:r>
             <a:r>
-              <a:rPr lang="en-US" sz="1200" dirty="0" err="1" smtClean="0"/>
-              <a:t>lenfth</a:t>
+              <a:rPr lang="en-US" sz="1200" dirty="0" smtClean="0"/>
+              <a:t>length</a:t>
             </a:r>
             <a:r>
               <a:rPr lang="en-US" sz="1200" dirty="0" smtClean="0"/>
@@ -7424,8 +7204,8 @@
               <a:t>, </a:t>
             </a:r>
             <a:r>
-              <a:rPr lang="en-US" sz="1600" b="1" dirty="0" err="1"/>
-              <a:t>lenfth</a:t>
+              <a:rPr lang="en-US" sz="1600" b="1" dirty="0" smtClean="0"/>
+              <a:t>length</a:t>
             </a:r>
             <a:r>
               <a:rPr lang="en-US" sz="1200" dirty="0"/>
@@ -7660,13 +7440,6 @@
               </a:rPr>
               <a:t>Write</a:t>
             </a:r>
-            <a:endParaRPr lang="en-US" sz="3600" dirty="0" smtClean="0">
-              <a:solidFill>
-                <a:schemeClr val="bg1"/>
-              </a:solidFill>
-              <a:latin typeface="+mj-lt"/>
-              <a:cs typeface="Chalkduster"/>
-            </a:endParaRPr>
           </a:p>
           <a:p>
             <a:pPr algn="l"/>
@@ -7924,12 +7697,12 @@
               <a:t>, </a:t>
             </a:r>
             <a:r>
-              <a:rPr lang="en-US" sz="1200" dirty="0" err="1" smtClean="0">
+              <a:rPr lang="en-US" sz="1200" dirty="0" smtClean="0">
                 <a:solidFill>
                   <a:srgbClr val="7F7F7F"/>
                 </a:solidFill>
               </a:rPr>
-              <a:t>lenfth</a:t>
+              <a:t>length</a:t>
             </a:r>
             <a:r>
               <a:rPr lang="en-US" sz="1200" dirty="0" smtClean="0">
@@ -8003,12 +7776,12 @@
               <a:t>, </a:t>
             </a:r>
             <a:r>
-              <a:rPr lang="en-US" sz="1200" dirty="0" err="1">
+              <a:rPr lang="en-US" sz="1200" dirty="0" smtClean="0">
                 <a:solidFill>
                   <a:srgbClr val="7F7F7F"/>
                 </a:solidFill>
               </a:rPr>
-              <a:t>lenfth</a:t>
+              <a:t>length</a:t>
             </a:r>
             <a:r>
               <a:rPr lang="en-US" sz="1200" dirty="0">
@@ -8886,8 +8659,8 @@
               <a:t>, </a:t>
             </a:r>
             <a:r>
-              <a:rPr lang="en-US" sz="1200" dirty="0" err="1" smtClean="0"/>
-              <a:t>lenfth</a:t>
+              <a:rPr lang="en-US" sz="1200" dirty="0" smtClean="0"/>
+              <a:t>length</a:t>
             </a:r>
             <a:r>
               <a:rPr lang="en-US" sz="1200" dirty="0" smtClean="0"/>
@@ -8933,8 +8706,8 @@
               <a:t>, </a:t>
             </a:r>
             <a:r>
-              <a:rPr lang="en-US" sz="1600" b="1" dirty="0" err="1"/>
-              <a:t>lenfth</a:t>
+              <a:rPr lang="en-US" sz="1600" b="1" dirty="0" smtClean="0"/>
+              <a:t>length</a:t>
             </a:r>
             <a:r>
               <a:rPr lang="en-US" sz="1200" dirty="0"/>
@@ -9209,13 +8982,6 @@
               </a:rPr>
               <a:t>Read Back</a:t>
             </a:r>
-            <a:endParaRPr lang="en-US" sz="3600" dirty="0" smtClean="0">
-              <a:solidFill>
-                <a:schemeClr val="bg1"/>
-              </a:solidFill>
-              <a:latin typeface="+mj-lt"/>
-              <a:cs typeface="Chalkduster"/>
-            </a:endParaRPr>
           </a:p>
           <a:p>
             <a:pPr algn="l"/>
@@ -10182,8 +9948,8 @@
               <a:t>, </a:t>
             </a:r>
             <a:r>
-              <a:rPr lang="en-US" sz="1200" dirty="0" err="1" smtClean="0"/>
-              <a:t>lenfth</a:t>
+              <a:rPr lang="en-US" sz="1200" dirty="0" smtClean="0"/>
+              <a:t>length</a:t>
             </a:r>
             <a:r>
               <a:rPr lang="en-US" sz="1200" dirty="0" smtClean="0"/>
@@ -10229,8 +9995,8 @@
               <a:t>, </a:t>
             </a:r>
             <a:r>
-              <a:rPr lang="en-US" sz="1600" b="1" dirty="0" err="1"/>
-              <a:t>lenfth</a:t>
+              <a:rPr lang="en-US" sz="1600" b="1" dirty="0" smtClean="0"/>
+              <a:t>length</a:t>
             </a:r>
             <a:r>
               <a:rPr lang="en-US" sz="1200" dirty="0"/>
@@ -10375,12 +10141,12 @@
               <a:t>, </a:t>
             </a:r>
             <a:r>
-              <a:rPr lang="en-US" sz="1200" dirty="0" err="1" smtClean="0">
+              <a:rPr lang="en-US" sz="1200" dirty="0" smtClean="0">
                 <a:solidFill>
                   <a:srgbClr val="7F7F7F"/>
                 </a:solidFill>
               </a:rPr>
-              <a:t>lenfth</a:t>
+              <a:t>length</a:t>
             </a:r>
             <a:r>
               <a:rPr lang="en-US" sz="1200" dirty="0" smtClean="0">
@@ -10454,12 +10220,12 @@
               <a:t>, </a:t>
             </a:r>
             <a:r>
-              <a:rPr lang="en-US" sz="1200" dirty="0" err="1">
+              <a:rPr lang="en-US" sz="1200" dirty="0" smtClean="0">
                 <a:solidFill>
                   <a:srgbClr val="7F7F7F"/>
                 </a:solidFill>
               </a:rPr>
-              <a:t>lenfth</a:t>
+              <a:t>length</a:t>
             </a:r>
             <a:r>
               <a:rPr lang="en-US" sz="1200" dirty="0">
@@ -10800,13 +10566,6 @@
               </a:rPr>
               <a:t>Read Back</a:t>
             </a:r>
-            <a:endParaRPr lang="en-US" sz="3600" dirty="0" smtClean="0">
-              <a:solidFill>
-                <a:schemeClr val="bg1"/>
-              </a:solidFill>
-              <a:latin typeface="+mj-lt"/>
-              <a:cs typeface="Chalkduster"/>
-            </a:endParaRPr>
           </a:p>
           <a:p>
             <a:pPr algn="l"/>
@@ -11064,12 +10823,12 @@
               <a:t>, </a:t>
             </a:r>
             <a:r>
-              <a:rPr lang="en-US" sz="1200" dirty="0" err="1" smtClean="0">
+              <a:rPr lang="en-US" sz="1200" dirty="0" smtClean="0">
                 <a:solidFill>
                   <a:srgbClr val="7F7F7F"/>
                 </a:solidFill>
               </a:rPr>
-              <a:t>lenfth</a:t>
+              <a:t>length</a:t>
             </a:r>
             <a:r>
               <a:rPr lang="en-US" sz="1200" dirty="0" smtClean="0">
@@ -11135,7 +10894,7 @@
               <a:t>entry_set_id</a:t>
             </a:r>
             <a:r>
-              <a:rPr lang="en-US" sz="1200" dirty="0">
+              <a:rPr lang="en-US" sz="1200">
                 <a:solidFill>
                   <a:srgbClr val="7F7F7F"/>
                 </a:solidFill>
@@ -11143,12 +10902,12 @@
               <a:t>, </a:t>
             </a:r>
             <a:r>
-              <a:rPr lang="en-US" sz="1200" dirty="0" err="1">
+              <a:rPr lang="en-US" sz="1200" smtClean="0">
                 <a:solidFill>
                   <a:srgbClr val="7F7F7F"/>
                 </a:solidFill>
               </a:rPr>
-              <a:t>lenfth</a:t>
+              <a:t>length</a:t>
             </a:r>
             <a:r>
               <a:rPr lang="en-US" sz="1200" dirty="0">
@@ -12026,8 +11785,8 @@
               <a:t>, </a:t>
             </a:r>
             <a:r>
-              <a:rPr lang="en-US" sz="1200" dirty="0" err="1" smtClean="0"/>
-              <a:t>lenfth</a:t>
+              <a:rPr lang="en-US" sz="1200" dirty="0" smtClean="0"/>
+              <a:t>length</a:t>
             </a:r>
             <a:r>
               <a:rPr lang="en-US" sz="1200" dirty="0" smtClean="0"/>
@@ -12073,8 +11832,8 @@
               <a:t>, </a:t>
             </a:r>
             <a:r>
-              <a:rPr lang="en-US" sz="1600" b="1" dirty="0" err="1"/>
-              <a:t>lenfth</a:t>
+              <a:rPr lang="en-US" sz="1600" b="1" dirty="0" smtClean="0"/>
+              <a:t>length</a:t>
             </a:r>
             <a:r>
               <a:rPr lang="en-US" sz="1200" dirty="0"/>
@@ -12393,13 +12152,6 @@
               </a:rPr>
               <a:t>Two Systems</a:t>
             </a:r>
-            <a:endParaRPr lang="en-US" sz="3600" dirty="0" smtClean="0">
-              <a:solidFill>
-                <a:schemeClr val="bg1"/>
-              </a:solidFill>
-              <a:latin typeface="+mj-lt"/>
-              <a:cs typeface="Chalkduster"/>
-            </a:endParaRPr>
           </a:p>
           <a:p>
             <a:pPr algn="l"/>
@@ -12651,21 +12403,7 @@
                 <a:latin typeface="Franklin Gothic Medium"/>
                 <a:cs typeface="Franklin Gothic Medium"/>
               </a:rPr>
-              <a:t>*) </a:t>
-            </a:r>
-            <a:r>
-              <a:rPr lang="en-US" sz="6000" dirty="0" smtClean="0">
-                <a:latin typeface="Franklin Gothic Medium"/>
-                <a:cs typeface="Franklin Gothic Medium"/>
-              </a:rPr>
-              <a:t>Serialized Writes</a:t>
-            </a:r>
-            <a:r>
-              <a:rPr lang="en-US" sz="6000" dirty="0" smtClean="0">
-                <a:latin typeface="Franklin Gothic Medium"/>
-                <a:cs typeface="Franklin Gothic Medium"/>
-              </a:rPr>
-              <a:t/>
+              <a:t>*) Serialized Writes</a:t>
             </a:r>
             <a:br>
               <a:rPr lang="en-US" sz="6000" dirty="0" smtClean="0">
@@ -12678,14 +12416,7 @@
                 <a:latin typeface="Franklin Gothic Medium"/>
                 <a:cs typeface="Franklin Gothic Medium"/>
               </a:rPr>
-              <a:t>*) </a:t>
-            </a:r>
-            <a:r>
-              <a:rPr lang="en-US" sz="6000" dirty="0" smtClean="0">
-                <a:latin typeface="Franklin Gothic Medium"/>
-                <a:cs typeface="Franklin Gothic Medium"/>
-              </a:rPr>
-              <a:t>Concurrent Reads</a:t>
+              <a:t>*) Concurrent Reads</a:t>
             </a:r>
             <a:endParaRPr lang="en-US" sz="6000" i="1" dirty="0">
               <a:latin typeface="Franklin Gothic Medium"/>
@@ -12826,13 +12557,6 @@
               </a:rPr>
               <a:t>Two Systems</a:t>
             </a:r>
-            <a:endParaRPr lang="en-US" sz="3600" dirty="0" smtClean="0">
-              <a:solidFill>
-                <a:schemeClr val="bg1"/>
-              </a:solidFill>
-              <a:latin typeface="+mj-lt"/>
-              <a:cs typeface="Chalkduster"/>
-            </a:endParaRPr>
           </a:p>
           <a:p>
             <a:pPr algn="l"/>
@@ -13224,13 +12948,6 @@
               </a:rPr>
               <a:t>Future Work</a:t>
             </a:r>
-            <a:endParaRPr lang="en-US" sz="3600" dirty="0" smtClean="0">
-              <a:solidFill>
-                <a:schemeClr val="bg1"/>
-              </a:solidFill>
-              <a:latin typeface="+mj-lt"/>
-              <a:cs typeface="Chalkduster"/>
-            </a:endParaRPr>
           </a:p>
           <a:p>
             <a:pPr algn="l"/>
@@ -14173,13 +13890,6 @@
               </a:rPr>
               <a:t>Two Systems</a:t>
             </a:r>
-            <a:endParaRPr lang="en-US" sz="3600" dirty="0" smtClean="0">
-              <a:solidFill>
-                <a:schemeClr val="bg1"/>
-              </a:solidFill>
-              <a:latin typeface="+mj-lt"/>
-              <a:cs typeface="Chalkduster"/>
-            </a:endParaRPr>
           </a:p>
           <a:p>
             <a:pPr algn="l"/>
@@ -14431,21 +14141,7 @@
                 <a:latin typeface="Franklin Gothic Medium"/>
                 <a:cs typeface="Franklin Gothic Medium"/>
               </a:rPr>
-              <a:t>*) </a:t>
-            </a:r>
-            <a:r>
-              <a:rPr lang="en-US" sz="6000" dirty="0" smtClean="0">
-                <a:latin typeface="Franklin Gothic Medium"/>
-                <a:cs typeface="Franklin Gothic Medium"/>
-              </a:rPr>
-              <a:t>Serialized Writes</a:t>
-            </a:r>
-            <a:r>
-              <a:rPr lang="en-US" sz="6000" dirty="0" smtClean="0">
-                <a:latin typeface="Franklin Gothic Medium"/>
-                <a:cs typeface="Franklin Gothic Medium"/>
-              </a:rPr>
-              <a:t/>
+              <a:t>*) Serialized Writes</a:t>
             </a:r>
             <a:br>
               <a:rPr lang="en-US" sz="6000" dirty="0" smtClean="0">
@@ -14458,14 +14154,7 @@
                 <a:latin typeface="Franklin Gothic Medium"/>
                 <a:cs typeface="Franklin Gothic Medium"/>
               </a:rPr>
-              <a:t>*) </a:t>
-            </a:r>
-            <a:r>
-              <a:rPr lang="en-US" sz="6000" dirty="0" smtClean="0">
-                <a:latin typeface="Franklin Gothic Medium"/>
-                <a:cs typeface="Franklin Gothic Medium"/>
-              </a:rPr>
-              <a:t>Concurrent Reads</a:t>
+              <a:t>*) Concurrent Reads</a:t>
             </a:r>
             <a:endParaRPr lang="en-US" sz="6000" i="1" dirty="0">
               <a:latin typeface="Franklin Gothic Medium"/>
@@ -14613,13 +14302,6 @@
               </a:rPr>
               <a:t>Read</a:t>
             </a:r>
-            <a:endParaRPr lang="en-US" sz="3600" dirty="0" smtClean="0">
-              <a:solidFill>
-                <a:schemeClr val="bg1"/>
-              </a:solidFill>
-              <a:latin typeface="+mj-lt"/>
-              <a:cs typeface="Chalkduster"/>
-            </a:endParaRPr>
           </a:p>
           <a:p>
             <a:pPr algn="l"/>
@@ -15078,13 +14760,6 @@
               </a:rPr>
               <a:t>Read</a:t>
             </a:r>
-            <a:endParaRPr lang="en-US" sz="3600" dirty="0" smtClean="0">
-              <a:solidFill>
-                <a:schemeClr val="bg1"/>
-              </a:solidFill>
-              <a:latin typeface="+mj-lt"/>
-              <a:cs typeface="Chalkduster"/>
-            </a:endParaRPr>
           </a:p>
           <a:p>
             <a:pPr algn="l"/>
@@ -15365,8 +15040,8 @@
               <a:t>, </a:t>
             </a:r>
             <a:r>
-              <a:rPr lang="en-US" sz="1200" dirty="0" err="1" smtClean="0"/>
-              <a:t>lenfth</a:t>
+              <a:rPr lang="en-US" sz="1200" dirty="0" smtClean="0"/>
+              <a:t>length</a:t>
             </a:r>
             <a:r>
               <a:rPr lang="en-US" sz="1200" dirty="0" smtClean="0"/>
@@ -15412,8 +15087,8 @@
               <a:t>, </a:t>
             </a:r>
             <a:r>
-              <a:rPr lang="en-US" sz="1200" dirty="0" err="1"/>
-              <a:t>lenfth</a:t>
+              <a:rPr lang="en-US" sz="1200" dirty="0" smtClean="0"/>
+              <a:t>length</a:t>
             </a:r>
             <a:r>
               <a:rPr lang="en-US" sz="1200" dirty="0"/>
@@ -15778,13 +15453,6 @@
               </a:rPr>
               <a:t>Read</a:t>
             </a:r>
-            <a:endParaRPr lang="en-US" sz="3600" dirty="0" smtClean="0">
-              <a:solidFill>
-                <a:schemeClr val="bg1"/>
-              </a:solidFill>
-              <a:latin typeface="+mj-lt"/>
-              <a:cs typeface="Chalkduster"/>
-            </a:endParaRPr>
           </a:p>
           <a:p>
             <a:pPr algn="l"/>
@@ -16025,81 +15693,6 @@
           <a:lstStyle/>
           <a:p>
             <a:r>
-              <a:rPr kumimoji="0" lang="en-US" sz="1200" b="0" i="0" u="none" strike="noStrike" cap="none" normalizeH="0" baseline="0" dirty="0" smtClean="0">
-                <a:ln>
-                  <a:noFill/>
-                </a:ln>
-                <a:solidFill>
-                  <a:srgbClr val="000000"/>
-                </a:solidFill>
-                <a:effectLst/>
-                <a:latin typeface="Gill Sans" charset="0"/>
-                <a:ea typeface="ヒラギノ角ゴ ProN W3" charset="0"/>
-                <a:cs typeface="ヒラギノ角ゴ ProN W3" charset="0"/>
-                <a:sym typeface="Gill Sans" charset="0"/>
-              </a:rPr>
-              <a:t>{</a:t>
-            </a:r>
-            <a:r>
-              <a:rPr kumimoji="0" lang="en-US" sz="1200" b="0" i="0" u="none" strike="noStrike" cap="none" normalizeH="0" baseline="0" dirty="0" err="1" smtClean="0">
-                <a:ln>
-                  <a:noFill/>
-                </a:ln>
-                <a:solidFill>
-                  <a:srgbClr val="000000"/>
-                </a:solidFill>
-                <a:effectLst/>
-                <a:latin typeface="Gill Sans" charset="0"/>
-                <a:ea typeface="ヒラギノ角ゴ ProN W3" charset="0"/>
-                <a:cs typeface="ヒラギノ角ゴ ProN W3" charset="0"/>
-                <a:sym typeface="Gill Sans" charset="0"/>
-              </a:rPr>
-              <a:t>entr</a:t>
-            </a:r>
-            <a:r>
-              <a:rPr lang="en-US" sz="1200" dirty="0" err="1" smtClean="0"/>
-              <a:t>y_set_id</a:t>
-            </a:r>
-            <a:r>
-              <a:rPr lang="en-US" sz="1200" dirty="0" smtClean="0"/>
-              <a:t>, </a:t>
-            </a:r>
-            <a:r>
-              <a:rPr lang="en-US" sz="1200" dirty="0" err="1" smtClean="0"/>
-              <a:t>lenfth</a:t>
-            </a:r>
-            <a:r>
-              <a:rPr lang="en-US" sz="1200" dirty="0" smtClean="0"/>
-              <a:t>, </a:t>
-            </a:r>
-            <a:r>
-              <a:rPr lang="en-US" sz="1200" dirty="0" err="1" smtClean="0"/>
-              <a:t>lowest_entry</a:t>
-            </a:r>
-            <a:r>
-              <a:rPr kumimoji="0" lang="en-US" sz="1200" b="0" i="0" u="none" strike="noStrike" cap="none" normalizeH="0" baseline="0" dirty="0" smtClean="0">
-                <a:ln>
-                  <a:noFill/>
-                </a:ln>
-                <a:solidFill>
-                  <a:srgbClr val="000000"/>
-                </a:solidFill>
-                <a:effectLst/>
-                <a:latin typeface="Gill Sans" charset="0"/>
-                <a:ea typeface="ヒラギノ角ゴ ProN W3" charset="0"/>
-                <a:cs typeface="ヒラギノ角ゴ ProN W3" charset="0"/>
-                <a:sym typeface="Gill Sans" charset="0"/>
-              </a:rPr>
-              <a:t>},</a:t>
-            </a:r>
-            <a:r>
-              <a:rPr lang="en-US" dirty="0"/>
-              <a:t/>
-            </a:r>
-            <a:br>
-              <a:rPr lang="en-US" dirty="0"/>
-            </a:br>
-            <a:r>
               <a:rPr lang="en-US" sz="1200" dirty="0"/>
               <a:t>{</a:t>
             </a:r>
@@ -16109,15 +15702,7 @@
             </a:r>
             <a:r>
               <a:rPr lang="en-US" sz="1200" dirty="0"/>
-              <a:t>, </a:t>
-            </a:r>
-            <a:r>
-              <a:rPr lang="en-US" sz="1200" dirty="0" err="1"/>
-              <a:t>lenfth</a:t>
-            </a:r>
-            <a:r>
-              <a:rPr lang="en-US" sz="1200" dirty="0"/>
-              <a:t>, </a:t>
+              <a:t>, length, </a:t>
             </a:r>
             <a:r>
               <a:rPr lang="en-US" sz="1200" dirty="0" err="1"/>
@@ -16125,50 +15710,40 @@
             </a:r>
             <a:r>
               <a:rPr lang="en-US" sz="1200" dirty="0"/>
-              <a:t>}</a:t>
-            </a:r>
-            <a:r>
-              <a:rPr lang="en-US" sz="1200" dirty="0" smtClean="0"/>
-              <a:t>,</a:t>
-            </a:r>
-          </a:p>
-          <a:p>
-            <a:r>
-              <a:rPr lang="en-US" sz="1200" dirty="0" smtClean="0"/>
+              <a:t>},</a:t>
+            </a:r>
+            <a:br>
+              <a:rPr lang="en-US" sz="1200" dirty="0"/>
+            </a:br>
+            <a:r>
+              <a:rPr lang="en-US" sz="1200" dirty="0"/>
+              <a:t>{</a:t>
+            </a:r>
+            <a:r>
+              <a:rPr lang="en-US" sz="1200" dirty="0" err="1"/>
+              <a:t>entry_set_id</a:t>
+            </a:r>
+            <a:r>
+              <a:rPr lang="en-US" sz="1200" dirty="0"/>
+              <a:t>, length, </a:t>
+            </a:r>
+            <a:r>
+              <a:rPr lang="en-US" sz="1200" dirty="0" err="1"/>
+              <a:t>lowest_entry</a:t>
+            </a:r>
+            <a:r>
+              <a:rPr lang="en-US" sz="1200" dirty="0"/>
+              <a:t>},</a:t>
+            </a:r>
+          </a:p>
+          <a:p>
+            <a:r>
+              <a:rPr lang="en-US" sz="1200" dirty="0"/>
               <a:t>…</a:t>
             </a:r>
+          </a:p>
+          <a:p>
             <a:endParaRPr lang="en-US" sz="1200" dirty="0"/>
-          </a:p>
-          <a:p>
-            <a:pPr marL="0" marR="0" indent="0" algn="ctr" defTabSz="914400" rtl="0" eaLnBrk="1" fontAlgn="base" latinLnBrk="0" hangingPunct="1">
-              <a:lnSpc>
-                <a:spcPct val="100000"/>
-              </a:lnSpc>
-              <a:spcBef>
-                <a:spcPct val="0"/>
-              </a:spcBef>
-              <a:spcAft>
-                <a:spcPct val="0"/>
-              </a:spcAft>
-              <a:buClrTx/>
-              <a:buSzTx/>
-              <a:buFontTx/>
-              <a:buNone/>
-              <a:tabLst/>
-            </a:pPr>
-            <a:endParaRPr kumimoji="0" lang="en-US" sz="1200" b="0" i="0" u="none" strike="noStrike" cap="none" normalizeH="0" baseline="0" dirty="0" smtClean="0">
-              <a:ln>
-                <a:noFill/>
-              </a:ln>
-              <a:solidFill>
-                <a:srgbClr val="000000"/>
-              </a:solidFill>
-              <a:effectLst/>
-              <a:latin typeface="Gill Sans" charset="0"/>
-              <a:ea typeface="ヒラギノ角ゴ ProN W3" charset="0"/>
-              <a:cs typeface="ヒラギノ角ゴ ProN W3" charset="0"/>
-              <a:sym typeface="Gill Sans" charset="0"/>
-            </a:endParaRPr>
           </a:p>
         </p:txBody>
       </p:sp>
@@ -16974,13 +16549,6 @@
               </a:rPr>
               <a:t>Write</a:t>
             </a:r>
-            <a:endParaRPr lang="en-US" sz="3600" dirty="0" smtClean="0">
-              <a:solidFill>
-                <a:schemeClr val="bg1"/>
-              </a:solidFill>
-              <a:latin typeface="+mj-lt"/>
-              <a:cs typeface="Chalkduster"/>
-            </a:endParaRPr>
           </a:p>
           <a:p>
             <a:pPr algn="l"/>
@@ -17439,13 +17007,6 @@
               </a:rPr>
               <a:t>Write</a:t>
             </a:r>
-            <a:endParaRPr lang="en-US" sz="3600" dirty="0" smtClean="0">
-              <a:solidFill>
-                <a:schemeClr val="bg1"/>
-              </a:solidFill>
-              <a:latin typeface="+mj-lt"/>
-              <a:cs typeface="Chalkduster"/>
-            </a:endParaRPr>
           </a:p>
           <a:p>
             <a:pPr algn="l"/>
@@ -17686,81 +17247,6 @@
           <a:lstStyle/>
           <a:p>
             <a:r>
-              <a:rPr kumimoji="0" lang="en-US" sz="1200" b="0" i="0" u="none" strike="noStrike" cap="none" normalizeH="0" baseline="0" dirty="0" smtClean="0">
-                <a:ln>
-                  <a:noFill/>
-                </a:ln>
-                <a:solidFill>
-                  <a:srgbClr val="000000"/>
-                </a:solidFill>
-                <a:effectLst/>
-                <a:latin typeface="Gill Sans" charset="0"/>
-                <a:ea typeface="ヒラギノ角ゴ ProN W3" charset="0"/>
-                <a:cs typeface="ヒラギノ角ゴ ProN W3" charset="0"/>
-                <a:sym typeface="Gill Sans" charset="0"/>
-              </a:rPr>
-              <a:t>{</a:t>
-            </a:r>
-            <a:r>
-              <a:rPr kumimoji="0" lang="en-US" sz="1200" b="0" i="0" u="none" strike="noStrike" cap="none" normalizeH="0" baseline="0" dirty="0" err="1" smtClean="0">
-                <a:ln>
-                  <a:noFill/>
-                </a:ln>
-                <a:solidFill>
-                  <a:srgbClr val="000000"/>
-                </a:solidFill>
-                <a:effectLst/>
-                <a:latin typeface="Gill Sans" charset="0"/>
-                <a:ea typeface="ヒラギノ角ゴ ProN W3" charset="0"/>
-                <a:cs typeface="ヒラギノ角ゴ ProN W3" charset="0"/>
-                <a:sym typeface="Gill Sans" charset="0"/>
-              </a:rPr>
-              <a:t>entr</a:t>
-            </a:r>
-            <a:r>
-              <a:rPr lang="en-US" sz="1200" dirty="0" err="1" smtClean="0"/>
-              <a:t>y_set_id</a:t>
-            </a:r>
-            <a:r>
-              <a:rPr lang="en-US" sz="1200" dirty="0" smtClean="0"/>
-              <a:t>, </a:t>
-            </a:r>
-            <a:r>
-              <a:rPr lang="en-US" sz="1200" dirty="0" err="1" smtClean="0"/>
-              <a:t>lenfth</a:t>
-            </a:r>
-            <a:r>
-              <a:rPr lang="en-US" sz="1200" dirty="0" smtClean="0"/>
-              <a:t>, </a:t>
-            </a:r>
-            <a:r>
-              <a:rPr lang="en-US" sz="1200" dirty="0" err="1" smtClean="0"/>
-              <a:t>lowest_entry</a:t>
-            </a:r>
-            <a:r>
-              <a:rPr kumimoji="0" lang="en-US" sz="1200" b="0" i="0" u="none" strike="noStrike" cap="none" normalizeH="0" baseline="0" dirty="0" smtClean="0">
-                <a:ln>
-                  <a:noFill/>
-                </a:ln>
-                <a:solidFill>
-                  <a:srgbClr val="000000"/>
-                </a:solidFill>
-                <a:effectLst/>
-                <a:latin typeface="Gill Sans" charset="0"/>
-                <a:ea typeface="ヒラギノ角ゴ ProN W3" charset="0"/>
-                <a:cs typeface="ヒラギノ角ゴ ProN W3" charset="0"/>
-                <a:sym typeface="Gill Sans" charset="0"/>
-              </a:rPr>
-              <a:t>},</a:t>
-            </a:r>
-            <a:r>
-              <a:rPr lang="en-US" dirty="0"/>
-              <a:t/>
-            </a:r>
-            <a:br>
-              <a:rPr lang="en-US" dirty="0"/>
-            </a:br>
-            <a:r>
               <a:rPr lang="en-US" sz="1200" dirty="0"/>
               <a:t>{</a:t>
             </a:r>
@@ -17770,15 +17256,7 @@
             </a:r>
             <a:r>
               <a:rPr lang="en-US" sz="1200" dirty="0"/>
-              <a:t>, </a:t>
-            </a:r>
-            <a:r>
-              <a:rPr lang="en-US" sz="1200" dirty="0" err="1"/>
-              <a:t>lenfth</a:t>
-            </a:r>
-            <a:r>
-              <a:rPr lang="en-US" sz="1200" dirty="0"/>
-              <a:t>, </a:t>
+              <a:t>, length, </a:t>
             </a:r>
             <a:r>
               <a:rPr lang="en-US" sz="1200" dirty="0" err="1"/>
@@ -17786,50 +17264,40 @@
             </a:r>
             <a:r>
               <a:rPr lang="en-US" sz="1200" dirty="0"/>
-              <a:t>}</a:t>
-            </a:r>
-            <a:r>
-              <a:rPr lang="en-US" sz="1200" dirty="0" smtClean="0"/>
-              <a:t>,</a:t>
-            </a:r>
-          </a:p>
-          <a:p>
-            <a:r>
-              <a:rPr lang="en-US" sz="1200" dirty="0" smtClean="0"/>
+              <a:t>},</a:t>
+            </a:r>
+            <a:br>
+              <a:rPr lang="en-US" sz="1200" dirty="0"/>
+            </a:br>
+            <a:r>
+              <a:rPr lang="en-US" sz="1200" dirty="0"/>
+              <a:t>{</a:t>
+            </a:r>
+            <a:r>
+              <a:rPr lang="en-US" sz="1200" dirty="0" err="1"/>
+              <a:t>entry_set_id</a:t>
+            </a:r>
+            <a:r>
+              <a:rPr lang="en-US" sz="1200" dirty="0"/>
+              <a:t>, length, </a:t>
+            </a:r>
+            <a:r>
+              <a:rPr lang="en-US" sz="1200" dirty="0" err="1"/>
+              <a:t>lowest_entry</a:t>
+            </a:r>
+            <a:r>
+              <a:rPr lang="en-US" sz="1200" dirty="0"/>
+              <a:t>},</a:t>
+            </a:r>
+          </a:p>
+          <a:p>
+            <a:r>
+              <a:rPr lang="en-US" sz="1200" dirty="0"/>
               <a:t>…</a:t>
             </a:r>
+          </a:p>
+          <a:p>
             <a:endParaRPr lang="en-US" sz="1200" dirty="0"/>
-          </a:p>
-          <a:p>
-            <a:pPr marL="0" marR="0" indent="0" algn="ctr" defTabSz="914400" rtl="0" eaLnBrk="1" fontAlgn="base" latinLnBrk="0" hangingPunct="1">
-              <a:lnSpc>
-                <a:spcPct val="100000"/>
-              </a:lnSpc>
-              <a:spcBef>
-                <a:spcPct val="0"/>
-              </a:spcBef>
-              <a:spcAft>
-                <a:spcPct val="0"/>
-              </a:spcAft>
-              <a:buClrTx/>
-              <a:buSzTx/>
-              <a:buFontTx/>
-              <a:buNone/>
-              <a:tabLst/>
-            </a:pPr>
-            <a:endParaRPr kumimoji="0" lang="en-US" sz="1200" b="0" i="0" u="none" strike="noStrike" cap="none" normalizeH="0" baseline="0" dirty="0" smtClean="0">
-              <a:ln>
-                <a:noFill/>
-              </a:ln>
-              <a:solidFill>
-                <a:srgbClr val="000000"/>
-              </a:solidFill>
-              <a:effectLst/>
-              <a:latin typeface="Gill Sans" charset="0"/>
-              <a:ea typeface="ヒラギノ角ゴ ProN W3" charset="0"/>
-              <a:cs typeface="ヒラギノ角ゴ ProN W3" charset="0"/>
-              <a:sym typeface="Gill Sans" charset="0"/>
-            </a:endParaRPr>
           </a:p>
         </p:txBody>
       </p:sp>
@@ -18139,13 +17607,6 @@
               </a:rPr>
               <a:t>Write</a:t>
             </a:r>
-            <a:endParaRPr lang="en-US" sz="3600" dirty="0" smtClean="0">
-              <a:solidFill>
-                <a:schemeClr val="bg1"/>
-              </a:solidFill>
-              <a:latin typeface="+mj-lt"/>
-              <a:cs typeface="Chalkduster"/>
-            </a:endParaRPr>
           </a:p>
           <a:p>
             <a:pPr algn="l"/>
@@ -18386,81 +17847,6 @@
           <a:lstStyle/>
           <a:p>
             <a:r>
-              <a:rPr kumimoji="0" lang="en-US" sz="1200" b="0" i="0" u="none" strike="noStrike" cap="none" normalizeH="0" baseline="0" dirty="0" smtClean="0">
-                <a:ln>
-                  <a:noFill/>
-                </a:ln>
-                <a:solidFill>
-                  <a:srgbClr val="000000"/>
-                </a:solidFill>
-                <a:effectLst/>
-                <a:latin typeface="Gill Sans" charset="0"/>
-                <a:ea typeface="ヒラギノ角ゴ ProN W3" charset="0"/>
-                <a:cs typeface="ヒラギノ角ゴ ProN W3" charset="0"/>
-                <a:sym typeface="Gill Sans" charset="0"/>
-              </a:rPr>
-              <a:t>{</a:t>
-            </a:r>
-            <a:r>
-              <a:rPr kumimoji="0" lang="en-US" sz="1200" b="0" i="0" u="none" strike="noStrike" cap="none" normalizeH="0" baseline="0" dirty="0" err="1" smtClean="0">
-                <a:ln>
-                  <a:noFill/>
-                </a:ln>
-                <a:solidFill>
-                  <a:srgbClr val="000000"/>
-                </a:solidFill>
-                <a:effectLst/>
-                <a:latin typeface="Gill Sans" charset="0"/>
-                <a:ea typeface="ヒラギノ角ゴ ProN W3" charset="0"/>
-                <a:cs typeface="ヒラギノ角ゴ ProN W3" charset="0"/>
-                <a:sym typeface="Gill Sans" charset="0"/>
-              </a:rPr>
-              <a:t>entr</a:t>
-            </a:r>
-            <a:r>
-              <a:rPr lang="en-US" sz="1200" dirty="0" err="1" smtClean="0"/>
-              <a:t>y_set_id</a:t>
-            </a:r>
-            <a:r>
-              <a:rPr lang="en-US" sz="1200" dirty="0" smtClean="0"/>
-              <a:t>, </a:t>
-            </a:r>
-            <a:r>
-              <a:rPr lang="en-US" sz="1200" dirty="0" err="1" smtClean="0"/>
-              <a:t>lenfth</a:t>
-            </a:r>
-            <a:r>
-              <a:rPr lang="en-US" sz="1200" dirty="0" smtClean="0"/>
-              <a:t>, </a:t>
-            </a:r>
-            <a:r>
-              <a:rPr lang="en-US" sz="1200" dirty="0" err="1" smtClean="0"/>
-              <a:t>lowest_entry</a:t>
-            </a:r>
-            <a:r>
-              <a:rPr kumimoji="0" lang="en-US" sz="1200" b="0" i="0" u="none" strike="noStrike" cap="none" normalizeH="0" baseline="0" dirty="0" smtClean="0">
-                <a:ln>
-                  <a:noFill/>
-                </a:ln>
-                <a:solidFill>
-                  <a:srgbClr val="000000"/>
-                </a:solidFill>
-                <a:effectLst/>
-                <a:latin typeface="Gill Sans" charset="0"/>
-                <a:ea typeface="ヒラギノ角ゴ ProN W3" charset="0"/>
-                <a:cs typeface="ヒラギノ角ゴ ProN W3" charset="0"/>
-                <a:sym typeface="Gill Sans" charset="0"/>
-              </a:rPr>
-              <a:t>},</a:t>
-            </a:r>
-            <a:r>
-              <a:rPr lang="en-US" dirty="0"/>
-              <a:t/>
-            </a:r>
-            <a:br>
-              <a:rPr lang="en-US" dirty="0"/>
-            </a:br>
-            <a:r>
               <a:rPr lang="en-US" sz="1200" dirty="0"/>
               <a:t>{</a:t>
             </a:r>
@@ -18470,15 +17856,7 @@
             </a:r>
             <a:r>
               <a:rPr lang="en-US" sz="1200" dirty="0"/>
-              <a:t>, </a:t>
-            </a:r>
-            <a:r>
-              <a:rPr lang="en-US" sz="1200" dirty="0" err="1"/>
-              <a:t>lenfth</a:t>
-            </a:r>
-            <a:r>
-              <a:rPr lang="en-US" sz="1200" dirty="0"/>
-              <a:t>, </a:t>
+              <a:t>, length, </a:t>
             </a:r>
             <a:r>
               <a:rPr lang="en-US" sz="1200" dirty="0" err="1"/>
@@ -18486,50 +17864,40 @@
             </a:r>
             <a:r>
               <a:rPr lang="en-US" sz="1200" dirty="0"/>
-              <a:t>}</a:t>
-            </a:r>
-            <a:r>
-              <a:rPr lang="en-US" sz="1200" dirty="0" smtClean="0"/>
-              <a:t>,</a:t>
-            </a:r>
-          </a:p>
-          <a:p>
-            <a:r>
-              <a:rPr lang="en-US" sz="1200" dirty="0" smtClean="0"/>
+              <a:t>},</a:t>
+            </a:r>
+            <a:br>
+              <a:rPr lang="en-US" sz="1200" dirty="0"/>
+            </a:br>
+            <a:r>
+              <a:rPr lang="en-US" sz="1200" dirty="0"/>
+              <a:t>{</a:t>
+            </a:r>
+            <a:r>
+              <a:rPr lang="en-US" sz="1200" dirty="0" err="1"/>
+              <a:t>entry_set_id</a:t>
+            </a:r>
+            <a:r>
+              <a:rPr lang="en-US" sz="1200" dirty="0"/>
+              <a:t>, length, </a:t>
+            </a:r>
+            <a:r>
+              <a:rPr lang="en-US" sz="1200" dirty="0" err="1"/>
+              <a:t>lowest_entry</a:t>
+            </a:r>
+            <a:r>
+              <a:rPr lang="en-US" sz="1200" dirty="0"/>
+              <a:t>},</a:t>
+            </a:r>
+          </a:p>
+          <a:p>
+            <a:r>
+              <a:rPr lang="en-US" sz="1200" dirty="0"/>
               <a:t>…</a:t>
             </a:r>
+          </a:p>
+          <a:p>
             <a:endParaRPr lang="en-US" sz="1200" dirty="0"/>
-          </a:p>
-          <a:p>
-            <a:pPr marL="0" marR="0" indent="0" algn="ctr" defTabSz="914400" rtl="0" eaLnBrk="1" fontAlgn="base" latinLnBrk="0" hangingPunct="1">
-              <a:lnSpc>
-                <a:spcPct val="100000"/>
-              </a:lnSpc>
-              <a:spcBef>
-                <a:spcPct val="0"/>
-              </a:spcBef>
-              <a:spcAft>
-                <a:spcPct val="0"/>
-              </a:spcAft>
-              <a:buClrTx/>
-              <a:buSzTx/>
-              <a:buFontTx/>
-              <a:buNone/>
-              <a:tabLst/>
-            </a:pPr>
-            <a:endParaRPr kumimoji="0" lang="en-US" sz="1200" b="0" i="0" u="none" strike="noStrike" cap="none" normalizeH="0" baseline="0" dirty="0" smtClean="0">
-              <a:ln>
-                <a:noFill/>
-              </a:ln>
-              <a:solidFill>
-                <a:srgbClr val="000000"/>
-              </a:solidFill>
-              <a:effectLst/>
-              <a:latin typeface="Gill Sans" charset="0"/>
-              <a:ea typeface="ヒラギノ角ゴ ProN W3" charset="0"/>
-              <a:cs typeface="ヒラギノ角ゴ ProN W3" charset="0"/>
-              <a:sym typeface="Gill Sans" charset="0"/>
-            </a:endParaRPr>
           </a:p>
         </p:txBody>
       </p:sp>
